--- a/01_API/Presentasjon/01_API.pptx
+++ b/01_API/Presentasjon/01_API.pptx
@@ -5,18 +5,17 @@
     <p:sldMasterId id="2147483706" r:id="rId1"/>
   </p:sldMasterIdLst>
   <p:notesMasterIdLst>
-    <p:notesMasterId r:id="rId11"/>
+    <p:notesMasterId r:id="rId10"/>
   </p:notesMasterIdLst>
   <p:sldIdLst>
     <p:sldId id="261" r:id="rId2"/>
-    <p:sldId id="265" r:id="rId3"/>
-    <p:sldId id="258" r:id="rId4"/>
-    <p:sldId id="266" r:id="rId5"/>
-    <p:sldId id="263" r:id="rId6"/>
-    <p:sldId id="268" r:id="rId7"/>
-    <p:sldId id="269" r:id="rId8"/>
-    <p:sldId id="267" r:id="rId9"/>
-    <p:sldId id="260" r:id="rId10"/>
+    <p:sldId id="263" r:id="rId3"/>
+    <p:sldId id="268" r:id="rId4"/>
+    <p:sldId id="271" r:id="rId5"/>
+    <p:sldId id="269" r:id="rId6"/>
+    <p:sldId id="267" r:id="rId7"/>
+    <p:sldId id="270" r:id="rId8"/>
+    <p:sldId id="260" r:id="rId9"/>
   </p:sldIdLst>
   <p:sldSz cx="12192000" cy="6858000"/>
   <p:notesSz cx="6797675" cy="9926638"/>
@@ -216,7 +215,7 @@
           <a:p>
             <a:fld id="{EBB013BB-223A-4A7A-A9B6-504A14290792}" type="datetimeFigureOut">
               <a:rPr lang="nb-NO" smtClean="0"/>
-              <a:t>13.11.2020</a:t>
+              <a:t>04.01.2021</a:t>
             </a:fld>
             <a:endParaRPr lang="nb-NO"/>
           </a:p>
@@ -538,7 +537,7 @@
             <a:spLocks noGrp="1"/>
           </p:cNvSpPr>
           <p:nvPr>
-            <p:ph type="sldNum" sz="quarter" idx="10"/>
+            <p:ph type="sldNum" sz="quarter" idx="5"/>
           </p:nvPr>
         </p:nvSpPr>
         <p:spPr/>
@@ -557,7 +556,7 @@
     </p:spTree>
     <p:extLst>
       <p:ext uri="{BB962C8B-B14F-4D97-AF65-F5344CB8AC3E}">
-        <p14:creationId xmlns:p14="http://schemas.microsoft.com/office/powerpoint/2010/main" val="3004251277"/>
+        <p14:creationId xmlns:p14="http://schemas.microsoft.com/office/powerpoint/2010/main" val="4101612611"/>
       </p:ext>
     </p:extLst>
   </p:cSld>
@@ -3193,19 +3192,7 @@
       </p:grpSpPr>
       <p:sp>
         <p:nvSpPr>
-          <p:cNvPr id="2" name="Plassholder for bilde 1"/>
-          <p:cNvSpPr>
-            <a:spLocks noGrp="1"/>
-          </p:cNvSpPr>
-          <p:nvPr>
-            <p:ph type="pic" sz="quarter" idx="10"/>
-          </p:nvPr>
-        </p:nvSpPr>
-        <p:spPr/>
-      </p:sp>
-      <p:sp>
-        <p:nvSpPr>
-          <p:cNvPr id="3" name="Tittel 2"/>
+          <p:cNvPr id="7" name="Tittel 6"/>
           <p:cNvSpPr>
             <a:spLocks noGrp="1"/>
           </p:cNvSpPr>
@@ -3213,30 +3200,152 @@
             <p:ph type="title"/>
           </p:nvPr>
         </p:nvSpPr>
-        <p:spPr/>
-        <p:txBody>
-          <a:bodyPr/>
+        <p:spPr>
+          <a:xfrm>
+            <a:off x="695325" y="945000"/>
+            <a:ext cx="9588000" cy="533642"/>
+          </a:xfrm>
+        </p:spPr>
+        <p:txBody>
+          <a:bodyPr wrap="none" anchor="ctr">
+            <a:normAutofit/>
+          </a:bodyPr>
           <a:lstStyle/>
           <a:p>
-            <a:endParaRPr lang="nb-NO"/>
-          </a:p>
-        </p:txBody>
-      </p:sp>
-      <p:sp>
-        <p:nvSpPr>
-          <p:cNvPr id="4" name="Plassholder for bunntekst 3"/>
-          <p:cNvSpPr>
-            <a:spLocks noGrp="1"/>
-          </p:cNvSpPr>
-          <p:nvPr>
-            <p:ph type="ftr" sz="quarter" idx="3"/>
-          </p:nvPr>
-        </p:nvSpPr>
-        <p:spPr/>
-        <p:txBody>
-          <a:bodyPr/>
+            <a:r>
+              <a:rPr lang="nb-NO" dirty="0"/>
+              <a:t>API</a:t>
+            </a:r>
+          </a:p>
+        </p:txBody>
+      </p:sp>
+      <p:pic>
+        <p:nvPicPr>
+          <p:cNvPr id="2050" name="Picture 2" descr="How to create your own little Restful Web API without getting lost in the  process — Part 1 | by Gabry Martinez | Medium">
+            <a:extLst>
+              <a:ext uri="{FF2B5EF4-FFF2-40B4-BE49-F238E27FC236}">
+                <a16:creationId xmlns:a16="http://schemas.microsoft.com/office/drawing/2014/main" id="{17B114A5-5A3D-42DE-9114-ABF7E83EF07F}"/>
+              </a:ext>
+            </a:extLst>
+          </p:cNvPr>
+          <p:cNvPicPr>
+            <a:picLocks noChangeAspect="1" noChangeArrowheads="1"/>
+          </p:cNvPicPr>
+          <p:nvPr/>
+        </p:nvPicPr>
+        <p:blipFill>
+          <a:blip r:embed="rId2">
+            <a:extLst>
+              <a:ext uri="{28A0092B-C50C-407E-A947-70E740481C1C}">
+                <a14:useLocalDpi xmlns:a14="http://schemas.microsoft.com/office/drawing/2010/main" val="0"/>
+              </a:ext>
+            </a:extLst>
+          </a:blip>
+          <a:stretch>
+            <a:fillRect/>
+          </a:stretch>
+        </p:blipFill>
+        <p:spPr bwMode="auto">
+          <a:xfrm>
+            <a:off x="6382800" y="3135150"/>
+            <a:ext cx="5112000" cy="1469700"/>
+          </a:xfrm>
+          <a:prstGeom prst="rect">
+            <a:avLst/>
+          </a:prstGeom>
+          <a:solidFill>
+            <a:srgbClr val="FFFFFF"/>
+          </a:solidFill>
+          <a:extLst>
+            <a:ext uri="{909E8E84-426E-40DD-AFC4-6F175D3DCCD1}">
+              <a14:hiddenFill xmlns:a14="http://schemas.microsoft.com/office/drawing/2010/main">
+                <a:solidFill>
+                  <a:srgbClr val="FFFFFF"/>
+                </a:solidFill>
+              </a14:hiddenFill>
+            </a:ext>
+          </a:extLst>
+        </p:spPr>
+      </p:pic>
+      <p:sp>
+        <p:nvSpPr>
+          <p:cNvPr id="8" name="Plassholder for innhold 7"/>
+          <p:cNvSpPr>
+            <a:spLocks noGrp="1"/>
+          </p:cNvSpPr>
+          <p:nvPr>
+            <p:ph idx="10"/>
+          </p:nvPr>
+        </p:nvSpPr>
+        <p:spPr>
+          <a:xfrm>
+            <a:off x="696375" y="1800000"/>
+            <a:ext cx="5112000" cy="4140000"/>
+          </a:xfrm>
+        </p:spPr>
+        <p:txBody>
+          <a:bodyPr>
+            <a:normAutofit/>
+          </a:bodyPr>
           <a:lstStyle/>
           <a:p>
+            <a:r>
+              <a:rPr lang="nb-NO" dirty="0"/>
+              <a:t>«Application Programming Interface» </a:t>
+            </a:r>
+          </a:p>
+          <a:p>
+            <a:pPr lvl="1"/>
+            <a:r>
+              <a:rPr lang="nb-NO" dirty="0"/>
+              <a:t>Grensesnitt for kommunikasjon</a:t>
+            </a:r>
+          </a:p>
+          <a:p>
+            <a:r>
+              <a:rPr lang="nb-NO" dirty="0"/>
+              <a:t>Åpne opp programvare</a:t>
+            </a:r>
+          </a:p>
+          <a:p>
+            <a:r>
+              <a:rPr lang="nb-NO" dirty="0"/>
+              <a:t>Web API-er</a:t>
+            </a:r>
+          </a:p>
+          <a:p>
+            <a:pPr lvl="1"/>
+            <a:endParaRPr lang="nb-NO" dirty="0"/>
+          </a:p>
+        </p:txBody>
+      </p:sp>
+      <p:sp>
+        <p:nvSpPr>
+          <p:cNvPr id="5" name="Plassholder for bunntekst 4"/>
+          <p:cNvSpPr>
+            <a:spLocks noGrp="1"/>
+          </p:cNvSpPr>
+          <p:nvPr>
+            <p:ph type="ftr" sz="quarter" idx="11"/>
+          </p:nvPr>
+        </p:nvSpPr>
+        <p:spPr>
+          <a:xfrm>
+            <a:off x="7381200" y="6264000"/>
+            <a:ext cx="4114800" cy="206374"/>
+          </a:xfrm>
+        </p:spPr>
+        <p:txBody>
+          <a:bodyPr anchor="ctr">
+            <a:normAutofit/>
+          </a:bodyPr>
+          <a:lstStyle/>
+          <a:p>
+            <a:pPr>
+              <a:spcAft>
+                <a:spcPts val="600"/>
+              </a:spcAft>
+            </a:pPr>
             <a:r>
               <a:rPr lang="nb-NO"/>
               <a:t>Norges miljø- og biovitenskapelige universitet</a:t>
@@ -3246,22 +3355,38 @@
       </p:sp>
       <p:sp>
         <p:nvSpPr>
-          <p:cNvPr id="5" name="Plassholder for lysbildenummer 4"/>
-          <p:cNvSpPr>
-            <a:spLocks noGrp="1"/>
-          </p:cNvSpPr>
-          <p:nvPr>
-            <p:ph type="sldNum" sz="quarter" idx="4"/>
-          </p:nvPr>
-        </p:nvSpPr>
-        <p:spPr/>
-        <p:txBody>
-          <a:bodyPr/>
+          <p:cNvPr id="6" name="Plassholder for lysbildenummer 5"/>
+          <p:cNvSpPr>
+            <a:spLocks noGrp="1"/>
+          </p:cNvSpPr>
+          <p:nvPr>
+            <p:ph type="sldNum" sz="quarter" idx="12"/>
+          </p:nvPr>
+        </p:nvSpPr>
+        <p:spPr>
+          <a:xfrm>
+            <a:off x="695325" y="6264000"/>
+            <a:ext cx="2743200" cy="203199"/>
+          </a:xfrm>
+        </p:spPr>
+        <p:txBody>
+          <a:bodyPr anchor="ctr">
+            <a:normAutofit/>
+          </a:bodyPr>
           <a:lstStyle/>
           <a:p>
+            <a:pPr>
+              <a:spcAft>
+                <a:spcPts val="600"/>
+              </a:spcAft>
+            </a:pPr>
             <a:fld id="{0A3ED7E7-E538-48B7-BF27-18C497C3E180}" type="slidenum">
               <a:rPr lang="nb-NO" smtClean="0"/>
-              <a:pPr/>
+              <a:pPr>
+                <a:spcAft>
+                  <a:spcPts val="600"/>
+                </a:spcAft>
+              </a:pPr>
               <a:t>1</a:t>
             </a:fld>
             <a:endParaRPr lang="nb-NO"/>
@@ -3271,7 +3396,7 @@
     </p:spTree>
     <p:extLst>
       <p:ext uri="{BB962C8B-B14F-4D97-AF65-F5344CB8AC3E}">
-        <p14:creationId xmlns:p14="http://schemas.microsoft.com/office/powerpoint/2010/main" val="1962993681"/>
+        <p14:creationId xmlns:p14="http://schemas.microsoft.com/office/powerpoint/2010/main" val="3070787853"/>
       </p:ext>
     </p:extLst>
   </p:cSld>
@@ -3300,7 +3425,13 @@
       </p:grpSpPr>
       <p:sp>
         <p:nvSpPr>
-          <p:cNvPr id="2" name="Tittel 1"/>
+          <p:cNvPr id="2" name="Tittel 1">
+            <a:extLst>
+              <a:ext uri="{FF2B5EF4-FFF2-40B4-BE49-F238E27FC236}">
+                <a16:creationId xmlns:a16="http://schemas.microsoft.com/office/drawing/2014/main" id="{5C196EA8-5155-4473-9180-3CBE8A347E09}"/>
+              </a:ext>
+            </a:extLst>
+          </p:cNvPr>
           <p:cNvSpPr>
             <a:spLocks noGrp="1"/>
           </p:cNvSpPr>
@@ -3308,54 +3439,183 @@
             <p:ph type="title"/>
           </p:nvPr>
         </p:nvSpPr>
-        <p:spPr/>
-        <p:txBody>
-          <a:bodyPr/>
+        <p:spPr>
+          <a:xfrm>
+            <a:off x="695325" y="945000"/>
+            <a:ext cx="9588000" cy="533642"/>
+          </a:xfrm>
+        </p:spPr>
+        <p:txBody>
+          <a:bodyPr wrap="none" anchor="ctr">
+            <a:normAutofit/>
+          </a:bodyPr>
           <a:lstStyle/>
           <a:p>
-            <a:endParaRPr lang="nb-NO"/>
-          </a:p>
-        </p:txBody>
-      </p:sp>
-      <p:sp>
-        <p:nvSpPr>
-          <p:cNvPr id="3" name="Plassholder for innhold 2"/>
-          <p:cNvSpPr>
-            <a:spLocks noGrp="1"/>
-          </p:cNvSpPr>
-          <p:nvPr>
-            <p:ph idx="1"/>
-          </p:nvPr>
-        </p:nvSpPr>
-        <p:spPr/>
-        <p:txBody>
-          <a:bodyPr/>
+            <a:r>
+              <a:rPr lang="nb-NO" dirty="0"/>
+              <a:t>Eksempler</a:t>
+            </a:r>
+          </a:p>
+        </p:txBody>
+      </p:sp>
+      <p:pic>
+        <p:nvPicPr>
+          <p:cNvPr id="2050" name="Picture 2" descr="Disruptive Engineering - Neste generasjon trafikkdata">
+            <a:extLst>
+              <a:ext uri="{FF2B5EF4-FFF2-40B4-BE49-F238E27FC236}">
+                <a16:creationId xmlns:a16="http://schemas.microsoft.com/office/drawing/2014/main" id="{7BC9B012-DC3D-4D86-A4F6-D126A1C03F3F}"/>
+              </a:ext>
+            </a:extLst>
+          </p:cNvPr>
+          <p:cNvPicPr>
+            <a:picLocks noChangeAspect="1" noChangeArrowheads="1"/>
+          </p:cNvPicPr>
+          <p:nvPr/>
+        </p:nvPicPr>
+        <p:blipFill>
+          <a:blip r:embed="rId3">
+            <a:extLst>
+              <a:ext uri="{28A0092B-C50C-407E-A947-70E740481C1C}">
+                <a14:useLocalDpi xmlns:a14="http://schemas.microsoft.com/office/drawing/2010/main" val="0"/>
+              </a:ext>
+            </a:extLst>
+          </a:blip>
+          <a:stretch>
+            <a:fillRect/>
+          </a:stretch>
+        </p:blipFill>
+        <p:spPr bwMode="auto">
+          <a:xfrm>
+            <a:off x="6382800" y="2413080"/>
+            <a:ext cx="5112000" cy="2913840"/>
+          </a:xfrm>
+          <a:prstGeom prst="rect">
+            <a:avLst/>
+          </a:prstGeom>
+          <a:solidFill>
+            <a:srgbClr val="FFFFFF"/>
+          </a:solidFill>
+        </p:spPr>
+      </p:pic>
+      <p:sp>
+        <p:nvSpPr>
+          <p:cNvPr id="3" name="Plassholder for innhold 2">
+            <a:extLst>
+              <a:ext uri="{FF2B5EF4-FFF2-40B4-BE49-F238E27FC236}">
+                <a16:creationId xmlns:a16="http://schemas.microsoft.com/office/drawing/2014/main" id="{7BA81B55-D37A-4725-B601-106417A5706C}"/>
+              </a:ext>
+            </a:extLst>
+          </p:cNvPr>
+          <p:cNvSpPr>
+            <a:spLocks noGrp="1"/>
+          </p:cNvSpPr>
+          <p:nvPr>
+            <p:ph idx="10"/>
+          </p:nvPr>
+        </p:nvSpPr>
+        <p:spPr>
+          <a:xfrm>
+            <a:off x="696375" y="1800000"/>
+            <a:ext cx="5112000" cy="4293000"/>
+          </a:xfrm>
+        </p:spPr>
+        <p:txBody>
+          <a:bodyPr>
+            <a:normAutofit/>
+          </a:bodyPr>
           <a:lstStyle/>
           <a:p>
-            <a:pPr marL="0" indent="0">
+            <a:r>
+              <a:rPr lang="nb-NO" dirty="0"/>
+              <a:t>PSD2 (Open Banking)</a:t>
+            </a:r>
+          </a:p>
+          <a:p>
+            <a:pPr lvl="1"/>
+            <a:r>
+              <a:rPr lang="nb-NO" dirty="0"/>
+              <a:t>Kommunikasjon mellom banker</a:t>
+            </a:r>
+          </a:p>
+          <a:p>
+            <a:pPr lvl="1"/>
+            <a:r>
+              <a:rPr lang="nb-NO" dirty="0">
+                <a:hlinkClick r:id="rId4"/>
+              </a:rPr>
+              <a:t>https://developer.dnb.no/</a:t>
+            </a:r>
+            <a:endParaRPr lang="nb-NO" dirty="0"/>
+          </a:p>
+          <a:p>
+            <a:pPr lvl="1"/>
+            <a:r>
+              <a:rPr lang="nb-NO" dirty="0"/>
+              <a:t>https://psd2.snn.no/portal-sandbox/product</a:t>
+            </a:r>
+          </a:p>
+          <a:p>
+            <a:r>
+              <a:rPr lang="nb-NO" dirty="0"/>
+              <a:t>Trafikkdata (</a:t>
+            </a:r>
+            <a:r>
+              <a:rPr lang="nb-NO" dirty="0" err="1"/>
+              <a:t>Disruptive</a:t>
+            </a:r>
+            <a:r>
+              <a:rPr lang="nb-NO" dirty="0"/>
+              <a:t> Engineering)</a:t>
+            </a:r>
+          </a:p>
+          <a:p>
+            <a:pPr lvl="1"/>
+            <a:r>
+              <a:rPr lang="nb-NO" dirty="0"/>
+              <a:t>Salg av data</a:t>
+            </a:r>
+          </a:p>
+          <a:p>
+            <a:pPr marL="468000" lvl="1" indent="0">
               <a:buNone/>
             </a:pPr>
-            <a:endParaRPr lang="nb-NO" dirty="0">
-              <a:latin typeface="Arial" panose="020B0604020202020204" pitchFamily="34" charset="0"/>
-            </a:endParaRPr>
-          </a:p>
-        </p:txBody>
-      </p:sp>
-      <p:sp>
-        <p:nvSpPr>
-          <p:cNvPr id="4" name="Plassholder for bunntekst 3"/>
-          <p:cNvSpPr>
-            <a:spLocks noGrp="1"/>
-          </p:cNvSpPr>
-          <p:nvPr>
-            <p:ph type="ftr" sz="quarter" idx="10"/>
-          </p:nvPr>
-        </p:nvSpPr>
-        <p:spPr/>
-        <p:txBody>
-          <a:bodyPr/>
+            <a:endParaRPr lang="nb-NO" dirty="0"/>
+          </a:p>
+        </p:txBody>
+      </p:sp>
+      <p:sp>
+        <p:nvSpPr>
+          <p:cNvPr id="5" name="Plassholder for bunntekst 4">
+            <a:extLst>
+              <a:ext uri="{FF2B5EF4-FFF2-40B4-BE49-F238E27FC236}">
+                <a16:creationId xmlns:a16="http://schemas.microsoft.com/office/drawing/2014/main" id="{7534AED0-6202-43CC-BA2C-0A29EA58B19D}"/>
+              </a:ext>
+            </a:extLst>
+          </p:cNvPr>
+          <p:cNvSpPr>
+            <a:spLocks noGrp="1"/>
+          </p:cNvSpPr>
+          <p:nvPr>
+            <p:ph type="ftr" sz="quarter" idx="11"/>
+          </p:nvPr>
+        </p:nvSpPr>
+        <p:spPr>
+          <a:xfrm>
+            <a:off x="7381200" y="6264000"/>
+            <a:ext cx="4114800" cy="206374"/>
+          </a:xfrm>
+        </p:spPr>
+        <p:txBody>
+          <a:bodyPr anchor="ctr">
+            <a:normAutofit/>
+          </a:bodyPr>
           <a:lstStyle/>
           <a:p>
+            <a:pPr>
+              <a:spcAft>
+                <a:spcPts val="600"/>
+              </a:spcAft>
+            </a:pPr>
             <a:r>
               <a:rPr lang="nb-NO"/>
               <a:t>Norges miljø- og biovitenskapelige universitet</a:t>
@@ -3365,22 +3625,44 @@
       </p:sp>
       <p:sp>
         <p:nvSpPr>
-          <p:cNvPr id="5" name="Plassholder for lysbildenummer 4"/>
-          <p:cNvSpPr>
-            <a:spLocks noGrp="1"/>
-          </p:cNvSpPr>
-          <p:nvPr>
-            <p:ph type="sldNum" sz="quarter" idx="11"/>
-          </p:nvPr>
-        </p:nvSpPr>
-        <p:spPr/>
-        <p:txBody>
-          <a:bodyPr/>
+          <p:cNvPr id="6" name="Plassholder for lysbildenummer 5">
+            <a:extLst>
+              <a:ext uri="{FF2B5EF4-FFF2-40B4-BE49-F238E27FC236}">
+                <a16:creationId xmlns:a16="http://schemas.microsoft.com/office/drawing/2014/main" id="{63D50022-1C1A-4973-8390-D668535A274B}"/>
+              </a:ext>
+            </a:extLst>
+          </p:cNvPr>
+          <p:cNvSpPr>
+            <a:spLocks noGrp="1"/>
+          </p:cNvSpPr>
+          <p:nvPr>
+            <p:ph type="sldNum" sz="quarter" idx="12"/>
+          </p:nvPr>
+        </p:nvSpPr>
+        <p:spPr>
+          <a:xfrm>
+            <a:off x="695325" y="6264000"/>
+            <a:ext cx="2743200" cy="203199"/>
+          </a:xfrm>
+        </p:spPr>
+        <p:txBody>
+          <a:bodyPr anchor="ctr">
+            <a:normAutofit/>
+          </a:bodyPr>
           <a:lstStyle/>
           <a:p>
+            <a:pPr>
+              <a:spcAft>
+                <a:spcPts val="600"/>
+              </a:spcAft>
+            </a:pPr>
             <a:fld id="{0A3ED7E7-E538-48B7-BF27-18C497C3E180}" type="slidenum">
               <a:rPr lang="nb-NO" smtClean="0"/>
-              <a:pPr/>
+              <a:pPr>
+                <a:spcAft>
+                  <a:spcPts val="600"/>
+                </a:spcAft>
+              </a:pPr>
               <a:t>2</a:t>
             </a:fld>
             <a:endParaRPr lang="nb-NO"/>
@@ -3390,7 +3672,7 @@
     </p:spTree>
     <p:extLst>
       <p:ext uri="{BB962C8B-B14F-4D97-AF65-F5344CB8AC3E}">
-        <p14:creationId xmlns:p14="http://schemas.microsoft.com/office/powerpoint/2010/main" val="769664875"/>
+        <p14:creationId xmlns:p14="http://schemas.microsoft.com/office/powerpoint/2010/main" val="2780798373"/>
       </p:ext>
     </p:extLst>
   </p:cSld>
@@ -3419,272 +3701,10 @@
       </p:grpSpPr>
       <p:sp>
         <p:nvSpPr>
-          <p:cNvPr id="2" name="Tittel 1"/>
-          <p:cNvSpPr>
-            <a:spLocks noGrp="1"/>
-          </p:cNvSpPr>
-          <p:nvPr>
-            <p:ph type="title"/>
-          </p:nvPr>
-        </p:nvSpPr>
-        <p:spPr/>
-        <p:txBody>
-          <a:bodyPr/>
-          <a:lstStyle/>
-          <a:p>
-            <a:endParaRPr lang="nb-NO"/>
-          </a:p>
-        </p:txBody>
-      </p:sp>
-      <p:sp>
-        <p:nvSpPr>
-          <p:cNvPr id="3" name="Plassholder for bilde 2"/>
-          <p:cNvSpPr>
-            <a:spLocks noGrp="1"/>
-          </p:cNvSpPr>
-          <p:nvPr>
-            <p:ph type="pic" sz="quarter" idx="13"/>
-          </p:nvPr>
-        </p:nvSpPr>
-        <p:spPr/>
-      </p:sp>
-      <p:sp>
-        <p:nvSpPr>
-          <p:cNvPr id="4" name="Plassholder for bunntekst 3"/>
-          <p:cNvSpPr>
-            <a:spLocks noGrp="1"/>
-          </p:cNvSpPr>
-          <p:nvPr>
-            <p:ph type="ftr" sz="quarter" idx="14"/>
-          </p:nvPr>
-        </p:nvSpPr>
-        <p:spPr/>
-        <p:txBody>
-          <a:bodyPr/>
-          <a:lstStyle/>
-          <a:p>
-            <a:r>
-              <a:rPr lang="nb-NO"/>
-              <a:t>Norges miljø- og biovitenskapelige universitet</a:t>
-            </a:r>
-          </a:p>
-        </p:txBody>
-      </p:sp>
-      <p:sp>
-        <p:nvSpPr>
-          <p:cNvPr id="5" name="Plassholder for lysbildenummer 4"/>
-          <p:cNvSpPr>
-            <a:spLocks noGrp="1"/>
-          </p:cNvSpPr>
-          <p:nvPr>
-            <p:ph type="sldNum" sz="quarter" idx="15"/>
-          </p:nvPr>
-        </p:nvSpPr>
-        <p:spPr/>
-        <p:txBody>
-          <a:bodyPr/>
-          <a:lstStyle/>
-          <a:p>
-            <a:fld id="{0A3ED7E7-E538-48B7-BF27-18C497C3E180}" type="slidenum">
-              <a:rPr lang="nb-NO" smtClean="0"/>
-              <a:pPr/>
-              <a:t>3</a:t>
-            </a:fld>
-            <a:endParaRPr lang="nb-NO"/>
-          </a:p>
-        </p:txBody>
-      </p:sp>
-    </p:spTree>
-    <p:extLst>
-      <p:ext uri="{BB962C8B-B14F-4D97-AF65-F5344CB8AC3E}">
-        <p14:creationId xmlns:p14="http://schemas.microsoft.com/office/powerpoint/2010/main" val="772956597"/>
-      </p:ext>
-    </p:extLst>
-  </p:cSld>
-  <p:clrMapOvr>
-    <a:masterClrMapping/>
-  </p:clrMapOvr>
-</p:sld>
-</file>
-
-<file path=ppt/slides/slide5.xml><?xml version="1.0" encoding="utf-8"?>
-<p:sld xmlns:a="http://schemas.openxmlformats.org/drawingml/2006/main" xmlns:r="http://schemas.openxmlformats.org/officeDocument/2006/relationships" xmlns:p="http://schemas.openxmlformats.org/presentationml/2006/main">
-  <p:cSld>
-    <p:spTree>
-      <p:nvGrpSpPr>
-        <p:cNvPr id="1" name=""/>
-        <p:cNvGrpSpPr/>
-        <p:nvPr/>
-      </p:nvGrpSpPr>
-      <p:grpSpPr>
-        <a:xfrm>
-          <a:off x="0" y="0"/>
-          <a:ext cx="0" cy="0"/>
-          <a:chOff x="0" y="0"/>
-          <a:chExt cx="0" cy="0"/>
-        </a:xfrm>
-      </p:grpSpPr>
-      <p:sp>
-        <p:nvSpPr>
-          <p:cNvPr id="7" name="Tittel 6"/>
-          <p:cNvSpPr>
-            <a:spLocks noGrp="1"/>
-          </p:cNvSpPr>
-          <p:nvPr>
-            <p:ph type="title"/>
-          </p:nvPr>
-        </p:nvSpPr>
-        <p:spPr/>
-        <p:txBody>
-          <a:bodyPr/>
-          <a:lstStyle/>
-          <a:p>
-            <a:r>
-              <a:rPr lang="nb-NO" dirty="0"/>
-              <a:t>API</a:t>
-            </a:r>
-          </a:p>
-        </p:txBody>
-      </p:sp>
-      <p:sp>
-        <p:nvSpPr>
-          <p:cNvPr id="8" name="Plassholder for innhold 7"/>
-          <p:cNvSpPr>
-            <a:spLocks noGrp="1"/>
-          </p:cNvSpPr>
-          <p:nvPr>
-            <p:ph idx="1"/>
-          </p:nvPr>
-        </p:nvSpPr>
-        <p:spPr/>
-        <p:txBody>
-          <a:bodyPr/>
-          <a:lstStyle/>
-          <a:p>
-            <a:r>
-              <a:rPr lang="nb-NO" dirty="0"/>
-              <a:t>«Application Programming Interface» </a:t>
-            </a:r>
-          </a:p>
-          <a:p>
-            <a:pPr lvl="1"/>
-            <a:r>
-              <a:rPr lang="nb-NO" dirty="0"/>
-              <a:t>Grensesnitt for kommunikasjon</a:t>
-            </a:r>
-          </a:p>
-          <a:p>
-            <a:r>
-              <a:rPr lang="nb-NO" dirty="0"/>
-              <a:t>Åpne opp programvare</a:t>
-            </a:r>
-          </a:p>
-          <a:p>
-            <a:r>
-              <a:rPr lang="nb-NO" dirty="0"/>
-              <a:t>Web API-er</a:t>
-            </a:r>
-          </a:p>
-          <a:p>
-            <a:pPr lvl="1"/>
-            <a:endParaRPr lang="nb-NO" dirty="0"/>
-          </a:p>
-        </p:txBody>
-      </p:sp>
-      <p:sp>
-        <p:nvSpPr>
-          <p:cNvPr id="5" name="Plassholder for bunntekst 4"/>
-          <p:cNvSpPr>
-            <a:spLocks noGrp="1"/>
-          </p:cNvSpPr>
-          <p:nvPr>
-            <p:ph type="ftr" sz="quarter" idx="14"/>
-          </p:nvPr>
-        </p:nvSpPr>
-        <p:spPr/>
-        <p:txBody>
-          <a:bodyPr/>
-          <a:lstStyle/>
-          <a:p>
-            <a:r>
-              <a:rPr lang="nb-NO"/>
-              <a:t>Norges miljø- og biovitenskapelige universitet</a:t>
-            </a:r>
-          </a:p>
-        </p:txBody>
-      </p:sp>
-      <p:sp>
-        <p:nvSpPr>
-          <p:cNvPr id="6" name="Plassholder for lysbildenummer 5"/>
-          <p:cNvSpPr>
-            <a:spLocks noGrp="1"/>
-          </p:cNvSpPr>
-          <p:nvPr>
-            <p:ph type="sldNum" sz="quarter" idx="15"/>
-          </p:nvPr>
-        </p:nvSpPr>
-        <p:spPr/>
-        <p:txBody>
-          <a:bodyPr/>
-          <a:lstStyle/>
-          <a:p>
-            <a:fld id="{0A3ED7E7-E538-48B7-BF27-18C497C3E180}" type="slidenum">
-              <a:rPr lang="nb-NO" smtClean="0"/>
-              <a:pPr/>
-              <a:t>4</a:t>
-            </a:fld>
-            <a:endParaRPr lang="nb-NO"/>
-          </a:p>
-        </p:txBody>
-      </p:sp>
-      <p:sp>
-        <p:nvSpPr>
-          <p:cNvPr id="3" name="Plassholder for bilde 2"/>
-          <p:cNvSpPr>
-            <a:spLocks noGrp="1"/>
-          </p:cNvSpPr>
-          <p:nvPr>
-            <p:ph type="pic" sz="quarter" idx="13"/>
-          </p:nvPr>
-        </p:nvSpPr>
-        <p:spPr/>
-      </p:sp>
-    </p:spTree>
-    <p:extLst>
-      <p:ext uri="{BB962C8B-B14F-4D97-AF65-F5344CB8AC3E}">
-        <p14:creationId xmlns:p14="http://schemas.microsoft.com/office/powerpoint/2010/main" val="3070787853"/>
-      </p:ext>
-    </p:extLst>
-  </p:cSld>
-  <p:clrMapOvr>
-    <a:masterClrMapping/>
-  </p:clrMapOvr>
-</p:sld>
-</file>
-
-<file path=ppt/slides/slide6.xml><?xml version="1.0" encoding="utf-8"?>
-<p:sld xmlns:a="http://schemas.openxmlformats.org/drawingml/2006/main" xmlns:r="http://schemas.openxmlformats.org/officeDocument/2006/relationships" xmlns:p="http://schemas.openxmlformats.org/presentationml/2006/main">
-  <p:cSld>
-    <p:spTree>
-      <p:nvGrpSpPr>
-        <p:cNvPr id="1" name=""/>
-        <p:cNvGrpSpPr/>
-        <p:nvPr/>
-      </p:nvGrpSpPr>
-      <p:grpSpPr>
-        <a:xfrm>
-          <a:off x="0" y="0"/>
-          <a:ext cx="0" cy="0"/>
-          <a:chOff x="0" y="0"/>
-          <a:chExt cx="0" cy="0"/>
-        </a:xfrm>
-      </p:grpSpPr>
-      <p:sp>
-        <p:nvSpPr>
           <p:cNvPr id="2" name="Tittel 1">
             <a:extLst>
               <a:ext uri="{FF2B5EF4-FFF2-40B4-BE49-F238E27FC236}">
-                <a16:creationId xmlns:a16="http://schemas.microsoft.com/office/drawing/2014/main" id="{5C196EA8-5155-4473-9180-3CBE8A347E09}"/>
+                <a16:creationId xmlns:a16="http://schemas.microsoft.com/office/drawing/2014/main" id="{44CAC4A5-25D0-4945-9861-B5E7F466BD48}"/>
               </a:ext>
             </a:extLst>
           </p:cNvPr>
@@ -3703,71 +3723,58 @@
         </p:spPr>
         <p:txBody>
           <a:bodyPr wrap="none" anchor="ctr">
-            <a:normAutofit/>
+            <a:normAutofit fontScale="90000"/>
           </a:bodyPr>
           <a:lstStyle/>
           <a:p>
             <a:r>
               <a:rPr lang="nb-NO" dirty="0"/>
-              <a:t>Eksempler</a:t>
-            </a:r>
+              <a:t>Nettleseren i aksjon</a:t>
+            </a:r>
+            <a:br>
+              <a:rPr lang="nb-NO" dirty="0"/>
+            </a:br>
+            <a:endParaRPr lang="nb-NO" dirty="0"/>
           </a:p>
         </p:txBody>
       </p:sp>
       <p:pic>
         <p:nvPicPr>
-          <p:cNvPr id="2050" name="Picture 2" descr="Disruptive Engineering - Neste generasjon trafikkdata">
+          <p:cNvPr id="7" name="Bilde 6">
             <a:extLst>
               <a:ext uri="{FF2B5EF4-FFF2-40B4-BE49-F238E27FC236}">
-                <a16:creationId xmlns:a16="http://schemas.microsoft.com/office/drawing/2014/main" id="{7BC9B012-DC3D-4D86-A4F6-D126A1C03F3F}"/>
+                <a16:creationId xmlns:a16="http://schemas.microsoft.com/office/drawing/2014/main" id="{B741F35C-B3C7-4162-8802-41EAA25BCEA5}"/>
               </a:ext>
             </a:extLst>
           </p:cNvPr>
           <p:cNvPicPr>
-            <a:picLocks noChangeAspect="1" noChangeArrowheads="1"/>
+            <a:picLocks noChangeAspect="1"/>
           </p:cNvPicPr>
           <p:nvPr/>
         </p:nvPicPr>
         <p:blipFill>
-          <a:blip r:embed="rId2">
-            <a:extLst>
-              <a:ext uri="{28A0092B-C50C-407E-A947-70E740481C1C}">
-                <a14:useLocalDpi xmlns:a14="http://schemas.microsoft.com/office/drawing/2010/main" val="0"/>
-              </a:ext>
-            </a:extLst>
-          </a:blip>
+          <a:blip r:embed="rId2"/>
           <a:stretch>
             <a:fillRect/>
           </a:stretch>
         </p:blipFill>
-        <p:spPr bwMode="auto">
+        <p:spPr>
           <a:xfrm>
-            <a:off x="6382800" y="2413080"/>
-            <a:ext cx="5112000" cy="2913840"/>
+            <a:off x="6645171" y="1800000"/>
+            <a:ext cx="4587257" cy="4140000"/>
           </a:xfrm>
           <a:prstGeom prst="rect">
             <a:avLst/>
           </a:prstGeom>
-          <a:solidFill>
-            <a:srgbClr val="FFFFFF"/>
-          </a:solidFill>
-          <a:extLst>
-            <a:ext uri="{909E8E84-426E-40DD-AFC4-6F175D3DCCD1}">
-              <a14:hiddenFill xmlns:a14="http://schemas.microsoft.com/office/drawing/2010/main">
-                <a:solidFill>
-                  <a:srgbClr val="FFFFFF"/>
-                </a:solidFill>
-              </a14:hiddenFill>
-            </a:ext>
-          </a:extLst>
+          <a:noFill/>
         </p:spPr>
       </p:pic>
       <p:sp>
         <p:nvSpPr>
-          <p:cNvPr id="3" name="Plassholder for innhold 2">
+          <p:cNvPr id="5" name="Plassholder for bunntekst 4">
             <a:extLst>
               <a:ext uri="{FF2B5EF4-FFF2-40B4-BE49-F238E27FC236}">
-                <a16:creationId xmlns:a16="http://schemas.microsoft.com/office/drawing/2014/main" id="{7BA81B55-D37A-4725-B601-106417A5706C}"/>
+                <a16:creationId xmlns:a16="http://schemas.microsoft.com/office/drawing/2014/main" id="{851681CB-EB5E-407E-B341-5E64BFF0DFDE}"/>
               </a:ext>
             </a:extLst>
           </p:cNvPr>
@@ -3775,99 +3782,7 @@
             <a:spLocks noGrp="1"/>
           </p:cNvSpPr>
           <p:nvPr>
-            <p:ph idx="10"/>
-          </p:nvPr>
-        </p:nvSpPr>
-        <p:spPr>
-          <a:xfrm>
-            <a:off x="696375" y="1800000"/>
-            <a:ext cx="5112000" cy="4140000"/>
-          </a:xfrm>
-        </p:spPr>
-        <p:txBody>
-          <a:bodyPr>
-            <a:normAutofit/>
-          </a:bodyPr>
-          <a:lstStyle/>
-          <a:p>
-            <a:r>
-              <a:rPr lang="nb-NO" dirty="0"/>
-              <a:t>PSD2 (Open Banking)</a:t>
-            </a:r>
-          </a:p>
-          <a:p>
-            <a:pPr lvl="1"/>
-            <a:r>
-              <a:rPr lang="nb-NO" dirty="0"/>
-              <a:t>Kommunikasjon mellom banker</a:t>
-            </a:r>
-          </a:p>
-          <a:p>
-            <a:pPr lvl="2"/>
-            <a:r>
-              <a:rPr lang="nb-NO" dirty="0"/>
-              <a:t>Overføre data</a:t>
-            </a:r>
-          </a:p>
-          <a:p>
-            <a:pPr lvl="1"/>
-            <a:r>
-              <a:rPr lang="nb-NO" dirty="0">
-                <a:hlinkClick r:id="rId3"/>
-              </a:rPr>
-              <a:t>https://developer.dnb.no/</a:t>
-            </a:r>
-            <a:endParaRPr lang="nb-NO" dirty="0"/>
-          </a:p>
-          <a:p>
-            <a:pPr lvl="1"/>
-            <a:endParaRPr lang="nb-NO" dirty="0"/>
-          </a:p>
-          <a:p>
-            <a:r>
-              <a:rPr lang="nb-NO" dirty="0"/>
-              <a:t>Trafikk data (</a:t>
-            </a:r>
-            <a:r>
-              <a:rPr lang="nb-NO" dirty="0" err="1"/>
-              <a:t>Disruptive</a:t>
-            </a:r>
-            <a:r>
-              <a:rPr lang="nb-NO" dirty="0"/>
-              <a:t> Engineering)</a:t>
-            </a:r>
-          </a:p>
-          <a:p>
-            <a:pPr lvl="1"/>
-            <a:r>
-              <a:rPr lang="nb-NO" dirty="0"/>
-              <a:t>Salg av data</a:t>
-            </a:r>
-          </a:p>
-          <a:p>
-            <a:pPr lvl="1"/>
-            <a:endParaRPr lang="nb-NO" dirty="0"/>
-          </a:p>
-          <a:p>
-            <a:pPr lvl="1"/>
-            <a:endParaRPr lang="nb-NO" dirty="0"/>
-          </a:p>
-        </p:txBody>
-      </p:sp>
-      <p:sp>
-        <p:nvSpPr>
-          <p:cNvPr id="5" name="Plassholder for bunntekst 4">
-            <a:extLst>
-              <a:ext uri="{FF2B5EF4-FFF2-40B4-BE49-F238E27FC236}">
-                <a16:creationId xmlns:a16="http://schemas.microsoft.com/office/drawing/2014/main" id="{7534AED0-6202-43CC-BA2C-0A29EA58B19D}"/>
-              </a:ext>
-            </a:extLst>
-          </p:cNvPr>
-          <p:cNvSpPr>
-            <a:spLocks noGrp="1"/>
-          </p:cNvSpPr>
-          <p:nvPr>
-            <p:ph type="ftr" sz="quarter" idx="11"/>
+            <p:ph type="ftr" sz="quarter" idx="14"/>
           </p:nvPr>
         </p:nvSpPr>
         <p:spPr>
@@ -3899,7 +3814,7 @@
           <p:cNvPr id="6" name="Plassholder for lysbildenummer 5">
             <a:extLst>
               <a:ext uri="{FF2B5EF4-FFF2-40B4-BE49-F238E27FC236}">
-                <a16:creationId xmlns:a16="http://schemas.microsoft.com/office/drawing/2014/main" id="{63D50022-1C1A-4973-8390-D668535A274B}"/>
+                <a16:creationId xmlns:a16="http://schemas.microsoft.com/office/drawing/2014/main" id="{8667897D-475A-4A66-960E-08922E69F1CA}"/>
               </a:ext>
             </a:extLst>
           </p:cNvPr>
@@ -3907,7 +3822,7 @@
             <a:spLocks noGrp="1"/>
           </p:cNvSpPr>
           <p:nvPr>
-            <p:ph type="sldNum" sz="quarter" idx="12"/>
+            <p:ph type="sldNum" sz="quarter" idx="15"/>
           </p:nvPr>
         </p:nvSpPr>
         <p:spPr>
@@ -3934,16 +3849,90 @@
                   <a:spcPts val="600"/>
                 </a:spcAft>
               </a:pPr>
-              <a:t>5</a:t>
+              <a:t>3</a:t>
             </a:fld>
             <a:endParaRPr lang="nb-NO"/>
           </a:p>
         </p:txBody>
       </p:sp>
+      <p:sp>
+        <p:nvSpPr>
+          <p:cNvPr id="10" name="Rektangel 9">
+            <a:extLst>
+              <a:ext uri="{FF2B5EF4-FFF2-40B4-BE49-F238E27FC236}">
+                <a16:creationId xmlns:a16="http://schemas.microsoft.com/office/drawing/2014/main" id="{E9108DA3-01AA-4BFF-9364-BB758B83C2D4}"/>
+              </a:ext>
+            </a:extLst>
+          </p:cNvPr>
+          <p:cNvSpPr/>
+          <p:nvPr/>
+        </p:nvSpPr>
+        <p:spPr>
+          <a:xfrm>
+            <a:off x="768000" y="1478642"/>
+            <a:ext cx="4211409" cy="369332"/>
+          </a:xfrm>
+          <a:prstGeom prst="rect">
+            <a:avLst/>
+          </a:prstGeom>
+        </p:spPr>
+        <p:txBody>
+          <a:bodyPr wrap="none">
+            <a:spAutoFit/>
+          </a:bodyPr>
+          <a:lstStyle/>
+          <a:p>
+            <a:r>
+              <a:rPr lang="nb-NO" dirty="0"/>
+              <a:t>Chrome: </a:t>
+            </a:r>
+            <a:r>
+              <a:rPr lang="nb-NO" dirty="0" err="1"/>
+              <a:t>CTRL+Shift+J</a:t>
+            </a:r>
+            <a:r>
+              <a:rPr lang="nb-NO" dirty="0"/>
+              <a:t>, «Network», F5</a:t>
+            </a:r>
+          </a:p>
+        </p:txBody>
+      </p:sp>
+      <p:pic>
+        <p:nvPicPr>
+          <p:cNvPr id="13" name="Plassholder for innhold 12">
+            <a:extLst>
+              <a:ext uri="{FF2B5EF4-FFF2-40B4-BE49-F238E27FC236}">
+                <a16:creationId xmlns:a16="http://schemas.microsoft.com/office/drawing/2014/main" id="{74FFF810-4A1A-45D6-9FB9-264EE6A4A54A}"/>
+              </a:ext>
+            </a:extLst>
+          </p:cNvPr>
+          <p:cNvPicPr>
+            <a:picLocks noGrp="1" noChangeAspect="1"/>
+          </p:cNvPicPr>
+          <p:nvPr>
+            <p:ph idx="1"/>
+          </p:nvPr>
+        </p:nvPicPr>
+        <p:blipFill>
+          <a:blip r:embed="rId3"/>
+          <a:stretch>
+            <a:fillRect/>
+          </a:stretch>
+        </p:blipFill>
+        <p:spPr>
+          <a:xfrm>
+            <a:off x="695325" y="2047120"/>
+            <a:ext cx="5111750" cy="3646409"/>
+          </a:xfrm>
+          <a:prstGeom prst="rect">
+            <a:avLst/>
+          </a:prstGeom>
+        </p:spPr>
+      </p:pic>
     </p:spTree>
     <p:extLst>
       <p:ext uri="{BB962C8B-B14F-4D97-AF65-F5344CB8AC3E}">
-        <p14:creationId xmlns:p14="http://schemas.microsoft.com/office/powerpoint/2010/main" val="2780798373"/>
+        <p14:creationId xmlns:p14="http://schemas.microsoft.com/office/powerpoint/2010/main" val="391729821"/>
       </p:ext>
     </p:extLst>
   </p:cSld>
@@ -3953,7 +3942,7 @@
 </p:sld>
 </file>
 
-<file path=ppt/slides/slide7.xml><?xml version="1.0" encoding="utf-8"?>
+<file path=ppt/slides/slide5.xml><?xml version="1.0" encoding="utf-8"?>
 <p:sld xmlns:a="http://schemas.openxmlformats.org/drawingml/2006/main" xmlns:r="http://schemas.openxmlformats.org/officeDocument/2006/relationships" xmlns:p="http://schemas.openxmlformats.org/presentationml/2006/main">
   <p:cSld>
     <p:spTree>
@@ -4042,15 +4031,6 @@
           <a:solidFill>
             <a:srgbClr val="FFFFFF"/>
           </a:solidFill>
-          <a:extLst>
-            <a:ext uri="{909E8E84-426E-40DD-AFC4-6F175D3DCCD1}">
-              <a14:hiddenFill xmlns:a14="http://schemas.microsoft.com/office/drawing/2010/main">
-                <a:solidFill>
-                  <a:srgbClr val="FFFFFF"/>
-                </a:solidFill>
-              </a14:hiddenFill>
-            </a:ext>
-          </a:extLst>
         </p:spPr>
       </p:pic>
       <p:sp>
@@ -4077,7 +4057,7 @@
         </p:spPr>
         <p:txBody>
           <a:bodyPr>
-            <a:normAutofit/>
+            <a:normAutofit fontScale="92500"/>
           </a:bodyPr>
           <a:lstStyle/>
           <a:p>
@@ -4128,6 +4108,37 @@
             <a:r>
               <a:rPr lang="nb-NO" dirty="0"/>
               <a:t>»</a:t>
+            </a:r>
+          </a:p>
+          <a:p>
+            <a:pPr lvl="1"/>
+            <a:endParaRPr lang="nb-NO" dirty="0"/>
+          </a:p>
+          <a:p>
+            <a:r>
+              <a:rPr lang="nb-NO" dirty="0"/>
+              <a:t>Link:</a:t>
+            </a:r>
+          </a:p>
+          <a:p>
+            <a:pPr marL="468000" lvl="1" indent="0">
+              <a:buNone/>
+            </a:pPr>
+            <a:r>
+              <a:rPr lang="nb-NO" dirty="0">
+                <a:hlinkClick r:id="rId3"/>
+              </a:rPr>
+              <a:t>https://restfulapi.net/</a:t>
+            </a:r>
+            <a:endParaRPr lang="nb-NO" dirty="0"/>
+          </a:p>
+          <a:p>
+            <a:pPr marL="468000" lvl="1" indent="0">
+              <a:buNone/>
+            </a:pPr>
+            <a:r>
+              <a:rPr lang="nb-NO" dirty="0"/>
+              <a:t>https://restfulapi.net/http-status-codes/</a:t>
             </a:r>
           </a:p>
           <a:p>
@@ -4224,7 +4235,7 @@
                   <a:spcPts val="600"/>
                 </a:spcAft>
               </a:pPr>
-              <a:t>6</a:t>
+              <a:t>4</a:t>
             </a:fld>
             <a:endParaRPr lang="nb-NO"/>
           </a:p>
@@ -4234,6 +4245,1026 @@
     <p:extLst>
       <p:ext uri="{BB962C8B-B14F-4D97-AF65-F5344CB8AC3E}">
         <p14:creationId xmlns:p14="http://schemas.microsoft.com/office/powerpoint/2010/main" val="2119411899"/>
+      </p:ext>
+    </p:extLst>
+  </p:cSld>
+  <p:clrMapOvr>
+    <a:masterClrMapping/>
+  </p:clrMapOvr>
+</p:sld>
+</file>
+
+<file path=ppt/slides/slide6.xml><?xml version="1.0" encoding="utf-8"?>
+<p:sld xmlns:a="http://schemas.openxmlformats.org/drawingml/2006/main" xmlns:r="http://schemas.openxmlformats.org/officeDocument/2006/relationships" xmlns:p="http://schemas.openxmlformats.org/presentationml/2006/main">
+  <p:cSld>
+    <p:spTree>
+      <p:nvGrpSpPr>
+        <p:cNvPr id="1" name=""/>
+        <p:cNvGrpSpPr/>
+        <p:nvPr/>
+      </p:nvGrpSpPr>
+      <p:grpSpPr>
+        <a:xfrm>
+          <a:off x="0" y="0"/>
+          <a:ext cx="0" cy="0"/>
+          <a:chOff x="0" y="0"/>
+          <a:chExt cx="0" cy="0"/>
+        </a:xfrm>
+      </p:grpSpPr>
+      <p:sp>
+        <p:nvSpPr>
+          <p:cNvPr id="2" name="Tittel 1"/>
+          <p:cNvSpPr>
+            <a:spLocks noGrp="1"/>
+          </p:cNvSpPr>
+          <p:nvPr>
+            <p:ph type="title"/>
+          </p:nvPr>
+        </p:nvSpPr>
+        <p:spPr/>
+        <p:txBody>
+          <a:bodyPr/>
+          <a:lstStyle/>
+          <a:p>
+            <a:r>
+              <a:rPr lang="nb-NO" dirty="0"/>
+              <a:t>JSON</a:t>
+            </a:r>
+          </a:p>
+        </p:txBody>
+      </p:sp>
+      <p:sp>
+        <p:nvSpPr>
+          <p:cNvPr id="3" name="Plassholder for innhold 2"/>
+          <p:cNvSpPr>
+            <a:spLocks noGrp="1"/>
+          </p:cNvSpPr>
+          <p:nvPr>
+            <p:ph idx="1"/>
+          </p:nvPr>
+        </p:nvSpPr>
+        <p:spPr>
+          <a:xfrm>
+            <a:off x="6383625" y="1053000"/>
+            <a:ext cx="5112000" cy="4140000"/>
+          </a:xfrm>
+        </p:spPr>
+        <p:txBody>
+          <a:bodyPr/>
+          <a:lstStyle/>
+          <a:p>
+            <a:pPr marL="468000" lvl="1" indent="0">
+              <a:buNone/>
+            </a:pPr>
+            <a:r>
+              <a:rPr lang="nb-NO" dirty="0"/>
+              <a:t>{</a:t>
+            </a:r>
+          </a:p>
+          <a:p>
+            <a:pPr marL="468000" lvl="1" indent="0">
+              <a:buNone/>
+            </a:pPr>
+            <a:r>
+              <a:rPr lang="nb-NO" dirty="0"/>
+              <a:t>	person: {</a:t>
+            </a:r>
+          </a:p>
+          <a:p>
+            <a:pPr marL="468000" lvl="1" indent="0">
+              <a:buNone/>
+            </a:pPr>
+            <a:r>
+              <a:rPr lang="nb-NO" dirty="0"/>
+              <a:t>		navn: Jørgen, </a:t>
+            </a:r>
+          </a:p>
+          <a:p>
+            <a:pPr marL="468000" lvl="1" indent="0">
+              <a:buNone/>
+            </a:pPr>
+            <a:r>
+              <a:rPr lang="nb-NO" dirty="0"/>
+              <a:t>		alder: 22</a:t>
+            </a:r>
+          </a:p>
+          <a:p>
+            <a:pPr marL="468000" lvl="1" indent="0">
+              <a:buNone/>
+            </a:pPr>
+            <a:r>
+              <a:rPr lang="nb-NO" dirty="0"/>
+              <a:t>		},</a:t>
+            </a:r>
+          </a:p>
+          <a:p>
+            <a:pPr marL="468000" lvl="1" indent="0">
+              <a:buNone/>
+            </a:pPr>
+            <a:r>
+              <a:rPr lang="nb-NO" dirty="0"/>
+              <a:t>	person: {</a:t>
+            </a:r>
+          </a:p>
+          <a:p>
+            <a:pPr marL="468000" lvl="1" indent="0">
+              <a:buNone/>
+            </a:pPr>
+            <a:r>
+              <a:rPr lang="nb-NO" dirty="0"/>
+              <a:t>		navn: Ole, </a:t>
+            </a:r>
+          </a:p>
+          <a:p>
+            <a:pPr marL="468000" lvl="1" indent="0">
+              <a:buNone/>
+            </a:pPr>
+            <a:r>
+              <a:rPr lang="nb-NO" dirty="0"/>
+              <a:t>		alder: 21</a:t>
+            </a:r>
+          </a:p>
+          <a:p>
+            <a:pPr marL="468000" lvl="1" indent="0">
+              <a:buNone/>
+            </a:pPr>
+            <a:r>
+              <a:rPr lang="nb-NO" dirty="0"/>
+              <a:t>		}</a:t>
+            </a:r>
+          </a:p>
+          <a:p>
+            <a:pPr marL="468000" lvl="1" indent="0">
+              <a:buNone/>
+            </a:pPr>
+            <a:r>
+              <a:rPr lang="nb-NO" dirty="0"/>
+              <a:t>}</a:t>
+            </a:r>
+          </a:p>
+          <a:p>
+            <a:endParaRPr lang="nb-NO" dirty="0"/>
+          </a:p>
+        </p:txBody>
+      </p:sp>
+      <p:sp>
+        <p:nvSpPr>
+          <p:cNvPr id="4" name="Plassholder for innhold 3"/>
+          <p:cNvSpPr>
+            <a:spLocks noGrp="1"/>
+          </p:cNvSpPr>
+          <p:nvPr>
+            <p:ph idx="10"/>
+          </p:nvPr>
+        </p:nvSpPr>
+        <p:spPr/>
+        <p:txBody>
+          <a:bodyPr/>
+          <a:lstStyle/>
+          <a:p>
+            <a:r>
+              <a:rPr lang="nb-NO" dirty="0"/>
+              <a:t>JavaScript Object </a:t>
+            </a:r>
+            <a:r>
+              <a:rPr lang="nb-NO" dirty="0" err="1"/>
+              <a:t>Notation</a:t>
+            </a:r>
+            <a:endParaRPr lang="nb-NO" dirty="0"/>
+          </a:p>
+          <a:p>
+            <a:r>
+              <a:rPr lang="nb-NO" dirty="0"/>
+              <a:t>Erstattet XML</a:t>
+            </a:r>
+          </a:p>
+          <a:p>
+            <a:r>
+              <a:rPr lang="nb-NO" dirty="0"/>
+              <a:t>navn/verdi-par</a:t>
+            </a:r>
+          </a:p>
+          <a:p>
+            <a:endParaRPr lang="nb-NO" dirty="0"/>
+          </a:p>
+          <a:p>
+            <a:r>
+              <a:rPr lang="nb-NO" dirty="0"/>
+              <a:t>Link:</a:t>
+            </a:r>
+          </a:p>
+          <a:p>
+            <a:r>
+              <a:rPr lang="nb-NO" dirty="0">
+                <a:hlinkClick r:id="rId2"/>
+              </a:rPr>
+              <a:t>https://beginnersbook.com/2015/04/json-tutorial/</a:t>
+            </a:r>
+            <a:endParaRPr lang="nb-NO" dirty="0"/>
+          </a:p>
+          <a:p>
+            <a:endParaRPr lang="nb-NO" dirty="0"/>
+          </a:p>
+        </p:txBody>
+      </p:sp>
+      <p:sp>
+        <p:nvSpPr>
+          <p:cNvPr id="5" name="Plassholder for bunntekst 4"/>
+          <p:cNvSpPr>
+            <a:spLocks noGrp="1"/>
+          </p:cNvSpPr>
+          <p:nvPr>
+            <p:ph type="ftr" sz="quarter" idx="11"/>
+          </p:nvPr>
+        </p:nvSpPr>
+        <p:spPr/>
+        <p:txBody>
+          <a:bodyPr/>
+          <a:lstStyle/>
+          <a:p>
+            <a:r>
+              <a:rPr lang="nb-NO"/>
+              <a:t>Norges miljø- og biovitenskapelige universitet</a:t>
+            </a:r>
+          </a:p>
+        </p:txBody>
+      </p:sp>
+      <p:sp>
+        <p:nvSpPr>
+          <p:cNvPr id="6" name="Plassholder for lysbildenummer 5"/>
+          <p:cNvSpPr>
+            <a:spLocks noGrp="1"/>
+          </p:cNvSpPr>
+          <p:nvPr>
+            <p:ph type="sldNum" sz="quarter" idx="12"/>
+          </p:nvPr>
+        </p:nvSpPr>
+        <p:spPr/>
+        <p:txBody>
+          <a:bodyPr/>
+          <a:lstStyle/>
+          <a:p>
+            <a:fld id="{0A3ED7E7-E538-48B7-BF27-18C497C3E180}" type="slidenum">
+              <a:rPr lang="nb-NO" smtClean="0"/>
+              <a:pPr/>
+              <a:t>5</a:t>
+            </a:fld>
+            <a:endParaRPr lang="nb-NO"/>
+          </a:p>
+        </p:txBody>
+      </p:sp>
+    </p:spTree>
+    <p:extLst>
+      <p:ext uri="{BB962C8B-B14F-4D97-AF65-F5344CB8AC3E}">
+        <p14:creationId xmlns:p14="http://schemas.microsoft.com/office/powerpoint/2010/main" val="3364477653"/>
+      </p:ext>
+    </p:extLst>
+  </p:cSld>
+  <p:clrMapOvr>
+    <a:masterClrMapping/>
+  </p:clrMapOvr>
+</p:sld>
+</file>
+
+<file path=ppt/slides/slide7.xml><?xml version="1.0" encoding="utf-8"?>
+<p:sld xmlns:a="http://schemas.openxmlformats.org/drawingml/2006/main" xmlns:r="http://schemas.openxmlformats.org/officeDocument/2006/relationships" xmlns:p="http://schemas.openxmlformats.org/presentationml/2006/main">
+  <p:cSld>
+    <p:spTree>
+      <p:nvGrpSpPr>
+        <p:cNvPr id="1" name=""/>
+        <p:cNvGrpSpPr/>
+        <p:nvPr/>
+      </p:nvGrpSpPr>
+      <p:grpSpPr>
+        <a:xfrm>
+          <a:off x="0" y="0"/>
+          <a:ext cx="0" cy="0"/>
+          <a:chOff x="0" y="0"/>
+          <a:chExt cx="0" cy="0"/>
+        </a:xfrm>
+      </p:grpSpPr>
+      <p:sp>
+        <p:nvSpPr>
+          <p:cNvPr id="2" name="Tittel 1">
+            <a:extLst>
+              <a:ext uri="{FF2B5EF4-FFF2-40B4-BE49-F238E27FC236}">
+                <a16:creationId xmlns:a16="http://schemas.microsoft.com/office/drawing/2014/main" id="{88AD1D0C-E7CC-4BF3-B144-4E4FE9D2C2DE}"/>
+              </a:ext>
+            </a:extLst>
+          </p:cNvPr>
+          <p:cNvSpPr>
+            <a:spLocks noGrp="1"/>
+          </p:cNvSpPr>
+          <p:nvPr>
+            <p:ph type="title"/>
+          </p:nvPr>
+        </p:nvSpPr>
+        <p:spPr/>
+        <p:txBody>
+          <a:bodyPr>
+            <a:normAutofit fontScale="90000"/>
+          </a:bodyPr>
+          <a:lstStyle/>
+          <a:p>
+            <a:r>
+              <a:rPr lang="nb-NO" dirty="0"/>
+              <a:t>Eksempel med Python</a:t>
+            </a:r>
+            <a:br>
+              <a:rPr lang="nb-NO" dirty="0"/>
+            </a:br>
+            <a:r>
+              <a:rPr lang="nb-NO" sz="1300" dirty="0"/>
+              <a:t>01_api/Valuta_api/valuta_request.py</a:t>
+            </a:r>
+            <a:endParaRPr lang="nb-NO" dirty="0"/>
+          </a:p>
+        </p:txBody>
+      </p:sp>
+      <p:sp>
+        <p:nvSpPr>
+          <p:cNvPr id="4" name="Plassholder for innhold 3">
+            <a:extLst>
+              <a:ext uri="{FF2B5EF4-FFF2-40B4-BE49-F238E27FC236}">
+                <a16:creationId xmlns:a16="http://schemas.microsoft.com/office/drawing/2014/main" id="{B8943DFF-9A7B-4AD9-B37D-39A1F0905231}"/>
+              </a:ext>
+            </a:extLst>
+          </p:cNvPr>
+          <p:cNvSpPr>
+            <a:spLocks noGrp="1"/>
+          </p:cNvSpPr>
+          <p:nvPr>
+            <p:ph idx="10"/>
+          </p:nvPr>
+        </p:nvSpPr>
+        <p:spPr>
+          <a:xfrm>
+            <a:off x="695325" y="1478642"/>
+            <a:ext cx="11015625" cy="4140000"/>
+          </a:xfrm>
+        </p:spPr>
+        <p:txBody>
+          <a:bodyPr/>
+          <a:lstStyle/>
+          <a:p>
+            <a:pPr marL="0" indent="0">
+              <a:buNone/>
+            </a:pPr>
+            <a:r>
+              <a:rPr lang="nb-NO" sz="1600" dirty="0">
+                <a:solidFill>
+                  <a:srgbClr val="9872A2"/>
+                </a:solidFill>
+                <a:latin typeface="Consolas" panose="020B0609020204030204" pitchFamily="49" charset="0"/>
+              </a:rPr>
+              <a:t>import</a:t>
+            </a:r>
+            <a:r>
+              <a:rPr lang="nb-NO" sz="1600" dirty="0">
+                <a:solidFill>
+                  <a:srgbClr val="C5C8C6"/>
+                </a:solidFill>
+                <a:latin typeface="Consolas" panose="020B0609020204030204" pitchFamily="49" charset="0"/>
+              </a:rPr>
+              <a:t> </a:t>
+            </a:r>
+            <a:r>
+              <a:rPr lang="nb-NO" sz="1600" dirty="0" err="1">
+                <a:solidFill>
+                  <a:srgbClr val="9B0000"/>
+                </a:solidFill>
+                <a:latin typeface="Consolas" panose="020B0609020204030204" pitchFamily="49" charset="0"/>
+              </a:rPr>
+              <a:t>requests</a:t>
+            </a:r>
+            <a:r>
+              <a:rPr lang="nb-NO" sz="1600" dirty="0">
+                <a:solidFill>
+                  <a:srgbClr val="C5C8C6"/>
+                </a:solidFill>
+                <a:latin typeface="Consolas" panose="020B0609020204030204" pitchFamily="49" charset="0"/>
+              </a:rPr>
+              <a:t> </a:t>
+            </a:r>
+            <a:endParaRPr lang="nb-NO" sz="1600" i="1" dirty="0">
+              <a:solidFill>
+                <a:srgbClr val="6089B4"/>
+              </a:solidFill>
+              <a:latin typeface="Consolas" panose="020B0609020204030204" pitchFamily="49" charset="0"/>
+            </a:endParaRPr>
+          </a:p>
+          <a:p>
+            <a:pPr marL="0" indent="0">
+              <a:buNone/>
+            </a:pPr>
+            <a:r>
+              <a:rPr lang="nb-NO" sz="1600" dirty="0">
+                <a:solidFill>
+                  <a:srgbClr val="6089B4"/>
+                </a:solidFill>
+                <a:latin typeface="Consolas" panose="020B0609020204030204" pitchFamily="49" charset="0"/>
+              </a:rPr>
+              <a:t>valuta</a:t>
+            </a:r>
+            <a:r>
+              <a:rPr lang="nb-NO" sz="1600" dirty="0">
+                <a:solidFill>
+                  <a:srgbClr val="C5C8C6"/>
+                </a:solidFill>
+                <a:latin typeface="Consolas" panose="020B0609020204030204" pitchFamily="49" charset="0"/>
+              </a:rPr>
+              <a:t> </a:t>
+            </a:r>
+            <a:r>
+              <a:rPr lang="nb-NO" sz="1600" dirty="0">
+                <a:solidFill>
+                  <a:srgbClr val="676867"/>
+                </a:solidFill>
+                <a:latin typeface="Consolas" panose="020B0609020204030204" pitchFamily="49" charset="0"/>
+              </a:rPr>
+              <a:t>=</a:t>
+            </a:r>
+            <a:r>
+              <a:rPr lang="nb-NO" sz="1600" dirty="0">
+                <a:solidFill>
+                  <a:srgbClr val="C5C8C6"/>
+                </a:solidFill>
+                <a:latin typeface="Consolas" panose="020B0609020204030204" pitchFamily="49" charset="0"/>
+              </a:rPr>
+              <a:t> </a:t>
+            </a:r>
+            <a:r>
+              <a:rPr lang="nb-NO" sz="1600" dirty="0">
+                <a:solidFill>
+                  <a:srgbClr val="9AA83A"/>
+                </a:solidFill>
+                <a:latin typeface="Consolas" panose="020B0609020204030204" pitchFamily="49" charset="0"/>
+              </a:rPr>
+              <a:t>"NOK"</a:t>
+            </a:r>
+            <a:endParaRPr lang="nb-NO" sz="1600" dirty="0">
+              <a:solidFill>
+                <a:srgbClr val="C5C8C6"/>
+              </a:solidFill>
+              <a:latin typeface="Consolas" panose="020B0609020204030204" pitchFamily="49" charset="0"/>
+            </a:endParaRPr>
+          </a:p>
+          <a:p>
+            <a:pPr marL="0" indent="0">
+              <a:buNone/>
+            </a:pPr>
+            <a:r>
+              <a:rPr lang="nb-NO" sz="1600" dirty="0" err="1">
+                <a:solidFill>
+                  <a:srgbClr val="6089B4"/>
+                </a:solidFill>
+                <a:latin typeface="Consolas" panose="020B0609020204030204" pitchFamily="49" charset="0"/>
+              </a:rPr>
+              <a:t>res_nok</a:t>
+            </a:r>
+            <a:r>
+              <a:rPr lang="nb-NO" sz="1600" dirty="0">
+                <a:solidFill>
+                  <a:srgbClr val="C5C8C6"/>
+                </a:solidFill>
+                <a:latin typeface="Consolas" panose="020B0609020204030204" pitchFamily="49" charset="0"/>
+              </a:rPr>
+              <a:t> </a:t>
+            </a:r>
+            <a:r>
+              <a:rPr lang="nb-NO" sz="1600" dirty="0">
+                <a:solidFill>
+                  <a:srgbClr val="676867"/>
+                </a:solidFill>
+                <a:latin typeface="Consolas" panose="020B0609020204030204" pitchFamily="49" charset="0"/>
+              </a:rPr>
+              <a:t>=</a:t>
+            </a:r>
+            <a:r>
+              <a:rPr lang="nb-NO" sz="1600" dirty="0">
+                <a:solidFill>
+                  <a:srgbClr val="C5C8C6"/>
+                </a:solidFill>
+                <a:latin typeface="Consolas" panose="020B0609020204030204" pitchFamily="49" charset="0"/>
+              </a:rPr>
+              <a:t> </a:t>
+            </a:r>
+            <a:r>
+              <a:rPr lang="nb-NO" sz="1600" dirty="0" err="1">
+                <a:solidFill>
+                  <a:srgbClr val="9B0000"/>
+                </a:solidFill>
+                <a:latin typeface="Consolas" panose="020B0609020204030204" pitchFamily="49" charset="0"/>
+              </a:rPr>
+              <a:t>requests</a:t>
+            </a:r>
+            <a:r>
+              <a:rPr lang="nb-NO" sz="1600" dirty="0" err="1">
+                <a:solidFill>
+                  <a:srgbClr val="C5C8C6"/>
+                </a:solidFill>
+                <a:latin typeface="Consolas" panose="020B0609020204030204" pitchFamily="49" charset="0"/>
+              </a:rPr>
+              <a:t>.</a:t>
+            </a:r>
+            <a:r>
+              <a:rPr lang="nb-NO" sz="1600" dirty="0" err="1">
+                <a:solidFill>
+                  <a:srgbClr val="CE6700"/>
+                </a:solidFill>
+                <a:latin typeface="Consolas" panose="020B0609020204030204" pitchFamily="49" charset="0"/>
+              </a:rPr>
+              <a:t>get</a:t>
+            </a:r>
+            <a:r>
+              <a:rPr lang="nb-NO" sz="1600" dirty="0">
+                <a:solidFill>
+                  <a:srgbClr val="C5C8C6"/>
+                </a:solidFill>
+                <a:latin typeface="Consolas" panose="020B0609020204030204" pitchFamily="49" charset="0"/>
+              </a:rPr>
+              <a:t>(</a:t>
+            </a:r>
+            <a:r>
+              <a:rPr lang="nb-NO" sz="1600" dirty="0">
+                <a:solidFill>
+                  <a:srgbClr val="9AA83A"/>
+                </a:solidFill>
+                <a:latin typeface="Consolas" panose="020B0609020204030204" pitchFamily="49" charset="0"/>
+              </a:rPr>
+              <a:t>'https://api.exchangeratesapi.io/latest'</a:t>
+            </a:r>
+            <a:r>
+              <a:rPr lang="nb-NO" sz="1600" dirty="0">
+                <a:solidFill>
+                  <a:srgbClr val="C5C8C6"/>
+                </a:solidFill>
+                <a:latin typeface="Consolas" panose="020B0609020204030204" pitchFamily="49" charset="0"/>
+              </a:rPr>
+              <a:t>, </a:t>
+            </a:r>
+            <a:r>
+              <a:rPr lang="nb-NO" sz="1600" dirty="0" err="1">
+                <a:solidFill>
+                  <a:srgbClr val="6089B4"/>
+                </a:solidFill>
+                <a:latin typeface="Consolas" panose="020B0609020204030204" pitchFamily="49" charset="0"/>
+              </a:rPr>
+              <a:t>params</a:t>
+            </a:r>
+            <a:r>
+              <a:rPr lang="nb-NO" sz="1600" dirty="0">
+                <a:solidFill>
+                  <a:srgbClr val="676867"/>
+                </a:solidFill>
+                <a:latin typeface="Consolas" panose="020B0609020204030204" pitchFamily="49" charset="0"/>
+              </a:rPr>
+              <a:t>=</a:t>
+            </a:r>
+            <a:r>
+              <a:rPr lang="nb-NO" sz="1600" dirty="0">
+                <a:solidFill>
+                  <a:srgbClr val="C5C8C6"/>
+                </a:solidFill>
+                <a:latin typeface="Consolas" panose="020B0609020204030204" pitchFamily="49" charset="0"/>
+              </a:rPr>
+              <a:t>{</a:t>
+            </a:r>
+            <a:r>
+              <a:rPr lang="nb-NO" sz="1600" dirty="0">
+                <a:solidFill>
+                  <a:srgbClr val="9AA83A"/>
+                </a:solidFill>
+                <a:latin typeface="Consolas" panose="020B0609020204030204" pitchFamily="49" charset="0"/>
+              </a:rPr>
+              <a:t>"base"</a:t>
+            </a:r>
+            <a:r>
+              <a:rPr lang="nb-NO" sz="1600" dirty="0">
+                <a:solidFill>
+                  <a:srgbClr val="C5C8C6"/>
+                </a:solidFill>
+                <a:latin typeface="Consolas" panose="020B0609020204030204" pitchFamily="49" charset="0"/>
+              </a:rPr>
+              <a:t>: </a:t>
+            </a:r>
+            <a:r>
+              <a:rPr lang="nb-NO" sz="1600" dirty="0">
+                <a:solidFill>
+                  <a:srgbClr val="6089B4"/>
+                </a:solidFill>
+                <a:latin typeface="Consolas" panose="020B0609020204030204" pitchFamily="49" charset="0"/>
+              </a:rPr>
+              <a:t>valuta</a:t>
+            </a:r>
+            <a:r>
+              <a:rPr lang="nb-NO" sz="1600" dirty="0">
+                <a:solidFill>
+                  <a:srgbClr val="C5C8C6"/>
+                </a:solidFill>
+                <a:latin typeface="Consolas" panose="020B0609020204030204" pitchFamily="49" charset="0"/>
+              </a:rPr>
+              <a:t>}) </a:t>
+            </a:r>
+          </a:p>
+          <a:p>
+            <a:pPr marL="0" indent="0">
+              <a:buNone/>
+            </a:pPr>
+            <a:r>
+              <a:rPr lang="nb-NO" sz="1600" dirty="0" err="1">
+                <a:solidFill>
+                  <a:srgbClr val="CE6700"/>
+                </a:solidFill>
+                <a:latin typeface="Consolas" panose="020B0609020204030204" pitchFamily="49" charset="0"/>
+              </a:rPr>
+              <a:t>print</a:t>
+            </a:r>
+            <a:r>
+              <a:rPr lang="nb-NO" sz="1600" dirty="0">
+                <a:solidFill>
+                  <a:srgbClr val="C5C8C6"/>
+                </a:solidFill>
+                <a:latin typeface="Consolas" panose="020B0609020204030204" pitchFamily="49" charset="0"/>
+              </a:rPr>
+              <a:t>(</a:t>
+            </a:r>
+            <a:r>
+              <a:rPr lang="nb-NO" sz="1600" dirty="0" err="1">
+                <a:solidFill>
+                  <a:srgbClr val="6089B4"/>
+                </a:solidFill>
+                <a:latin typeface="Consolas" panose="020B0609020204030204" pitchFamily="49" charset="0"/>
+              </a:rPr>
+              <a:t>res_nok</a:t>
+            </a:r>
+            <a:r>
+              <a:rPr lang="nb-NO" sz="1600" dirty="0" err="1">
+                <a:solidFill>
+                  <a:srgbClr val="C5C8C6"/>
+                </a:solidFill>
+                <a:latin typeface="Consolas" panose="020B0609020204030204" pitchFamily="49" charset="0"/>
+              </a:rPr>
+              <a:t>.</a:t>
+            </a:r>
+            <a:r>
+              <a:rPr lang="nb-NO" sz="1600" dirty="0" err="1">
+                <a:solidFill>
+                  <a:srgbClr val="CE6700"/>
+                </a:solidFill>
+                <a:latin typeface="Consolas" panose="020B0609020204030204" pitchFamily="49" charset="0"/>
+              </a:rPr>
+              <a:t>status_code</a:t>
+            </a:r>
+            <a:r>
+              <a:rPr lang="nb-NO" sz="1600" dirty="0">
+                <a:solidFill>
+                  <a:srgbClr val="C5C8C6"/>
+                </a:solidFill>
+                <a:latin typeface="Consolas" panose="020B0609020204030204" pitchFamily="49" charset="0"/>
+              </a:rPr>
+              <a:t>)</a:t>
+            </a:r>
+          </a:p>
+          <a:p>
+            <a:pPr marL="0" indent="0">
+              <a:buNone/>
+            </a:pPr>
+            <a:r>
+              <a:rPr lang="nb-NO" sz="1600" dirty="0" err="1">
+                <a:solidFill>
+                  <a:srgbClr val="6089B4"/>
+                </a:solidFill>
+                <a:latin typeface="Consolas" panose="020B0609020204030204" pitchFamily="49" charset="0"/>
+              </a:rPr>
+              <a:t>res_nok_dict</a:t>
+            </a:r>
+            <a:r>
+              <a:rPr lang="nb-NO" sz="1600" dirty="0">
+                <a:solidFill>
+                  <a:srgbClr val="C5C8C6"/>
+                </a:solidFill>
+                <a:latin typeface="Consolas" panose="020B0609020204030204" pitchFamily="49" charset="0"/>
+              </a:rPr>
+              <a:t> </a:t>
+            </a:r>
+            <a:r>
+              <a:rPr lang="nb-NO" sz="1600" dirty="0">
+                <a:solidFill>
+                  <a:srgbClr val="676867"/>
+                </a:solidFill>
+                <a:latin typeface="Consolas" panose="020B0609020204030204" pitchFamily="49" charset="0"/>
+              </a:rPr>
+              <a:t>=</a:t>
+            </a:r>
+            <a:r>
+              <a:rPr lang="nb-NO" sz="1600" dirty="0">
+                <a:solidFill>
+                  <a:srgbClr val="C5C8C6"/>
+                </a:solidFill>
+                <a:latin typeface="Consolas" panose="020B0609020204030204" pitchFamily="49" charset="0"/>
+              </a:rPr>
+              <a:t> </a:t>
+            </a:r>
+            <a:r>
+              <a:rPr lang="nb-NO" sz="1600" dirty="0" err="1">
+                <a:solidFill>
+                  <a:srgbClr val="6089B4"/>
+                </a:solidFill>
+                <a:latin typeface="Consolas" panose="020B0609020204030204" pitchFamily="49" charset="0"/>
+              </a:rPr>
+              <a:t>res_nok</a:t>
+            </a:r>
+            <a:r>
+              <a:rPr lang="nb-NO" sz="1600" dirty="0" err="1">
+                <a:solidFill>
+                  <a:srgbClr val="C5C8C6"/>
+                </a:solidFill>
+                <a:latin typeface="Consolas" panose="020B0609020204030204" pitchFamily="49" charset="0"/>
+              </a:rPr>
+              <a:t>.</a:t>
+            </a:r>
+            <a:r>
+              <a:rPr lang="nb-NO" sz="1600" dirty="0" err="1">
+                <a:solidFill>
+                  <a:srgbClr val="CE6700"/>
+                </a:solidFill>
+                <a:latin typeface="Consolas" panose="020B0609020204030204" pitchFamily="49" charset="0"/>
+              </a:rPr>
+              <a:t>json</a:t>
+            </a:r>
+            <a:r>
+              <a:rPr lang="nb-NO" sz="1600" dirty="0">
+                <a:solidFill>
+                  <a:srgbClr val="C5C8C6"/>
+                </a:solidFill>
+                <a:latin typeface="Consolas" panose="020B0609020204030204" pitchFamily="49" charset="0"/>
+              </a:rPr>
+              <a:t>()</a:t>
+            </a:r>
+            <a:br>
+              <a:rPr lang="nb-NO" sz="1600" dirty="0">
+                <a:solidFill>
+                  <a:srgbClr val="C5C8C6"/>
+                </a:solidFill>
+                <a:latin typeface="Consolas" panose="020B0609020204030204" pitchFamily="49" charset="0"/>
+              </a:rPr>
+            </a:br>
+            <a:r>
+              <a:rPr lang="nb-NO" sz="1600" dirty="0" err="1">
+                <a:solidFill>
+                  <a:srgbClr val="CE6700"/>
+                </a:solidFill>
+                <a:latin typeface="Consolas" panose="020B0609020204030204" pitchFamily="49" charset="0"/>
+              </a:rPr>
+              <a:t>print</a:t>
+            </a:r>
+            <a:r>
+              <a:rPr lang="nb-NO" sz="1600" dirty="0">
+                <a:solidFill>
+                  <a:srgbClr val="C5C8C6"/>
+                </a:solidFill>
+                <a:latin typeface="Consolas" panose="020B0609020204030204" pitchFamily="49" charset="0"/>
+              </a:rPr>
+              <a:t>(</a:t>
+            </a:r>
+            <a:r>
+              <a:rPr lang="nb-NO" sz="1600" dirty="0">
+                <a:solidFill>
+                  <a:srgbClr val="9872A2"/>
+                </a:solidFill>
+                <a:latin typeface="Consolas" panose="020B0609020204030204" pitchFamily="49" charset="0"/>
+              </a:rPr>
+              <a:t>f</a:t>
+            </a:r>
+            <a:r>
+              <a:rPr lang="nb-NO" sz="1600" dirty="0">
+                <a:solidFill>
+                  <a:srgbClr val="9AA83A"/>
+                </a:solidFill>
+                <a:latin typeface="Consolas" panose="020B0609020204030204" pitchFamily="49" charset="0"/>
+              </a:rPr>
+              <a:t>'1 NOK = </a:t>
+            </a:r>
+            <a:r>
+              <a:rPr lang="nb-NO" sz="1600" dirty="0">
+                <a:solidFill>
+                  <a:srgbClr val="8080FF"/>
+                </a:solidFill>
+                <a:latin typeface="Consolas" panose="020B0609020204030204" pitchFamily="49" charset="0"/>
+              </a:rPr>
+              <a:t>{</a:t>
+            </a:r>
+            <a:r>
+              <a:rPr lang="nb-NO" sz="1600" dirty="0" err="1">
+                <a:solidFill>
+                  <a:srgbClr val="6089B4"/>
+                </a:solidFill>
+                <a:latin typeface="Consolas" panose="020B0609020204030204" pitchFamily="49" charset="0"/>
+              </a:rPr>
+              <a:t>res_nok_dict</a:t>
+            </a:r>
+            <a:r>
+              <a:rPr lang="nb-NO" sz="1600" dirty="0">
+                <a:solidFill>
+                  <a:srgbClr val="C5C8C6"/>
+                </a:solidFill>
+                <a:latin typeface="Consolas" panose="020B0609020204030204" pitchFamily="49" charset="0"/>
+              </a:rPr>
+              <a:t>[</a:t>
+            </a:r>
+            <a:r>
+              <a:rPr lang="nb-NO" sz="1600" dirty="0">
+                <a:solidFill>
+                  <a:srgbClr val="9AA83A"/>
+                </a:solidFill>
+                <a:latin typeface="Consolas" panose="020B0609020204030204" pitchFamily="49" charset="0"/>
+              </a:rPr>
+              <a:t>"rates"</a:t>
+            </a:r>
+            <a:r>
+              <a:rPr lang="nb-NO" sz="1600" dirty="0">
+                <a:solidFill>
+                  <a:srgbClr val="C5C8C6"/>
+                </a:solidFill>
+                <a:latin typeface="Consolas" panose="020B0609020204030204" pitchFamily="49" charset="0"/>
+              </a:rPr>
+              <a:t>][</a:t>
+            </a:r>
+            <a:r>
+              <a:rPr lang="nb-NO" sz="1600" dirty="0">
+                <a:solidFill>
+                  <a:srgbClr val="9AA83A"/>
+                </a:solidFill>
+                <a:latin typeface="Consolas" panose="020B0609020204030204" pitchFamily="49" charset="0"/>
+              </a:rPr>
+              <a:t>"USD"</a:t>
+            </a:r>
+            <a:r>
+              <a:rPr lang="nb-NO" sz="1600" dirty="0">
+                <a:solidFill>
+                  <a:srgbClr val="C5C8C6"/>
+                </a:solidFill>
+                <a:latin typeface="Consolas" panose="020B0609020204030204" pitchFamily="49" charset="0"/>
+              </a:rPr>
+              <a:t>]</a:t>
+            </a:r>
+            <a:r>
+              <a:rPr lang="nb-NO" sz="1600" dirty="0">
+                <a:solidFill>
+                  <a:srgbClr val="9872A2"/>
+                </a:solidFill>
+                <a:latin typeface="Consolas" panose="020B0609020204030204" pitchFamily="49" charset="0"/>
+              </a:rPr>
+              <a:t>:.2f</a:t>
+            </a:r>
+            <a:r>
+              <a:rPr lang="nb-NO" sz="1600" dirty="0">
+                <a:solidFill>
+                  <a:srgbClr val="8080FF"/>
+                </a:solidFill>
+                <a:latin typeface="Consolas" panose="020B0609020204030204" pitchFamily="49" charset="0"/>
+              </a:rPr>
+              <a:t>}</a:t>
+            </a:r>
+            <a:r>
+              <a:rPr lang="nb-NO" sz="1600" dirty="0">
+                <a:solidFill>
+                  <a:srgbClr val="9AA83A"/>
+                </a:solidFill>
+                <a:latin typeface="Consolas" panose="020B0609020204030204" pitchFamily="49" charset="0"/>
+              </a:rPr>
+              <a:t> USD'</a:t>
+            </a:r>
+            <a:r>
+              <a:rPr lang="nb-NO" sz="1600" dirty="0">
+                <a:solidFill>
+                  <a:srgbClr val="C5C8C6"/>
+                </a:solidFill>
+                <a:latin typeface="Consolas" panose="020B0609020204030204" pitchFamily="49" charset="0"/>
+              </a:rPr>
+              <a:t>)</a:t>
+            </a:r>
+          </a:p>
+          <a:p>
+            <a:endParaRPr lang="nb-NO" sz="1600" dirty="0">
+              <a:solidFill>
+                <a:srgbClr val="C5C8C6"/>
+              </a:solidFill>
+              <a:latin typeface="Consolas" panose="020B0609020204030204" pitchFamily="49" charset="0"/>
+            </a:endParaRPr>
+          </a:p>
+          <a:p>
+            <a:r>
+              <a:rPr lang="nb-NO" sz="1600" dirty="0">
+                <a:latin typeface="Consolas" panose="020B0609020204030204" pitchFamily="49" charset="0"/>
+              </a:rPr>
+              <a:t>Output:</a:t>
+            </a:r>
+          </a:p>
+          <a:p>
+            <a:pPr marL="0" indent="0">
+              <a:buNone/>
+            </a:pPr>
+            <a:r>
+              <a:rPr lang="nb-NO" sz="1600" dirty="0">
+                <a:latin typeface="Consolas" panose="020B0609020204030204" pitchFamily="49" charset="0"/>
+              </a:rPr>
+              <a:t>200</a:t>
+            </a:r>
+          </a:p>
+          <a:p>
+            <a:pPr marL="0" indent="0">
+              <a:buNone/>
+            </a:pPr>
+            <a:r>
+              <a:rPr lang="nb-NO" sz="1600" dirty="0">
+                <a:latin typeface="Consolas" panose="020B0609020204030204" pitchFamily="49" charset="0"/>
+              </a:rPr>
+              <a:t>1 NOK = 0.12 USD</a:t>
+            </a:r>
+            <a:br>
+              <a:rPr lang="nb-NO" sz="1600" dirty="0">
+                <a:solidFill>
+                  <a:srgbClr val="C5C8C6"/>
+                </a:solidFill>
+                <a:latin typeface="Consolas" panose="020B0609020204030204" pitchFamily="49" charset="0"/>
+              </a:rPr>
+            </a:br>
+            <a:endParaRPr lang="nb-NO" sz="1600" dirty="0">
+              <a:solidFill>
+                <a:srgbClr val="C5C8C6"/>
+              </a:solidFill>
+              <a:latin typeface="Consolas" panose="020B0609020204030204" pitchFamily="49" charset="0"/>
+            </a:endParaRPr>
+          </a:p>
+          <a:p>
+            <a:endParaRPr lang="nb-NO" sz="1600" dirty="0"/>
+          </a:p>
+        </p:txBody>
+      </p:sp>
+      <p:sp>
+        <p:nvSpPr>
+          <p:cNvPr id="5" name="Plassholder for bunntekst 4">
+            <a:extLst>
+              <a:ext uri="{FF2B5EF4-FFF2-40B4-BE49-F238E27FC236}">
+                <a16:creationId xmlns:a16="http://schemas.microsoft.com/office/drawing/2014/main" id="{1779A035-3127-48E1-A485-F66DFEBF48FC}"/>
+              </a:ext>
+            </a:extLst>
+          </p:cNvPr>
+          <p:cNvSpPr>
+            <a:spLocks noGrp="1"/>
+          </p:cNvSpPr>
+          <p:nvPr>
+            <p:ph type="ftr" sz="quarter" idx="11"/>
+          </p:nvPr>
+        </p:nvSpPr>
+        <p:spPr/>
+        <p:txBody>
+          <a:bodyPr/>
+          <a:lstStyle/>
+          <a:p>
+            <a:r>
+              <a:rPr lang="nb-NO"/>
+              <a:t>Norges miljø- og biovitenskapelige universitet</a:t>
+            </a:r>
+          </a:p>
+        </p:txBody>
+      </p:sp>
+      <p:sp>
+        <p:nvSpPr>
+          <p:cNvPr id="6" name="Plassholder for lysbildenummer 5">
+            <a:extLst>
+              <a:ext uri="{FF2B5EF4-FFF2-40B4-BE49-F238E27FC236}">
+                <a16:creationId xmlns:a16="http://schemas.microsoft.com/office/drawing/2014/main" id="{34961E0A-D643-4603-B095-014252F68FFB}"/>
+              </a:ext>
+            </a:extLst>
+          </p:cNvPr>
+          <p:cNvSpPr>
+            <a:spLocks noGrp="1"/>
+          </p:cNvSpPr>
+          <p:nvPr>
+            <p:ph type="sldNum" sz="quarter" idx="12"/>
+          </p:nvPr>
+        </p:nvSpPr>
+        <p:spPr/>
+        <p:txBody>
+          <a:bodyPr/>
+          <a:lstStyle/>
+          <a:p>
+            <a:fld id="{0A3ED7E7-E538-48B7-BF27-18C497C3E180}" type="slidenum">
+              <a:rPr lang="nb-NO" smtClean="0"/>
+              <a:pPr/>
+              <a:t>6</a:t>
+            </a:fld>
+            <a:endParaRPr lang="nb-NO" dirty="0"/>
+          </a:p>
+        </p:txBody>
+      </p:sp>
+    </p:spTree>
+    <p:extLst>
+      <p:ext uri="{BB962C8B-B14F-4D97-AF65-F5344CB8AC3E}">
+        <p14:creationId xmlns:p14="http://schemas.microsoft.com/office/powerpoint/2010/main" val="427646074"/>
       </p:ext>
     </p:extLst>
   </p:cSld>
@@ -4262,12 +5293,12 @@
       </p:grpSpPr>
       <p:sp>
         <p:nvSpPr>
-          <p:cNvPr id="2" name="Tittel 1"/>
-          <p:cNvSpPr>
-            <a:spLocks noGrp="1"/>
-          </p:cNvSpPr>
-          <p:nvPr>
-            <p:ph type="title"/>
+          <p:cNvPr id="3" name="Tittel 2"/>
+          <p:cNvSpPr>
+            <a:spLocks noGrp="1"/>
+          </p:cNvSpPr>
+          <p:nvPr>
+            <p:ph type="ctrTitle"/>
           </p:nvPr>
         </p:nvSpPr>
         <p:spPr/>
@@ -4275,140 +5306,7 @@
           <a:bodyPr/>
           <a:lstStyle/>
           <a:p>
-            <a:endParaRPr lang="nb-NO"/>
-          </a:p>
-        </p:txBody>
-      </p:sp>
-      <p:sp>
-        <p:nvSpPr>
-          <p:cNvPr id="3" name="Plassholder for innhold 2"/>
-          <p:cNvSpPr>
-            <a:spLocks noGrp="1"/>
-          </p:cNvSpPr>
-          <p:nvPr>
-            <p:ph idx="1"/>
-          </p:nvPr>
-        </p:nvSpPr>
-        <p:spPr/>
-        <p:txBody>
-          <a:bodyPr/>
-          <a:lstStyle/>
-          <a:p>
-            <a:endParaRPr lang="nb-NO"/>
-          </a:p>
-        </p:txBody>
-      </p:sp>
-      <p:sp>
-        <p:nvSpPr>
-          <p:cNvPr id="4" name="Plassholder for innhold 3"/>
-          <p:cNvSpPr>
-            <a:spLocks noGrp="1"/>
-          </p:cNvSpPr>
-          <p:nvPr>
-            <p:ph idx="10"/>
-          </p:nvPr>
-        </p:nvSpPr>
-        <p:spPr/>
-        <p:txBody>
-          <a:bodyPr/>
-          <a:lstStyle/>
-          <a:p>
             <a:endParaRPr lang="nb-NO" dirty="0"/>
-          </a:p>
-        </p:txBody>
-      </p:sp>
-      <p:sp>
-        <p:nvSpPr>
-          <p:cNvPr id="5" name="Plassholder for bunntekst 4"/>
-          <p:cNvSpPr>
-            <a:spLocks noGrp="1"/>
-          </p:cNvSpPr>
-          <p:nvPr>
-            <p:ph type="ftr" sz="quarter" idx="11"/>
-          </p:nvPr>
-        </p:nvSpPr>
-        <p:spPr/>
-        <p:txBody>
-          <a:bodyPr/>
-          <a:lstStyle/>
-          <a:p>
-            <a:r>
-              <a:rPr lang="nb-NO"/>
-              <a:t>Norges miljø- og biovitenskapelige universitet</a:t>
-            </a:r>
-          </a:p>
-        </p:txBody>
-      </p:sp>
-      <p:sp>
-        <p:nvSpPr>
-          <p:cNvPr id="6" name="Plassholder for lysbildenummer 5"/>
-          <p:cNvSpPr>
-            <a:spLocks noGrp="1"/>
-          </p:cNvSpPr>
-          <p:nvPr>
-            <p:ph type="sldNum" sz="quarter" idx="12"/>
-          </p:nvPr>
-        </p:nvSpPr>
-        <p:spPr/>
-        <p:txBody>
-          <a:bodyPr/>
-          <a:lstStyle/>
-          <a:p>
-            <a:fld id="{0A3ED7E7-E538-48B7-BF27-18C497C3E180}" type="slidenum">
-              <a:rPr lang="nb-NO" smtClean="0"/>
-              <a:pPr/>
-              <a:t>7</a:t>
-            </a:fld>
-            <a:endParaRPr lang="nb-NO"/>
-          </a:p>
-        </p:txBody>
-      </p:sp>
-    </p:spTree>
-    <p:extLst>
-      <p:ext uri="{BB962C8B-B14F-4D97-AF65-F5344CB8AC3E}">
-        <p14:creationId xmlns:p14="http://schemas.microsoft.com/office/powerpoint/2010/main" val="3364477653"/>
-      </p:ext>
-    </p:extLst>
-  </p:cSld>
-  <p:clrMapOvr>
-    <a:masterClrMapping/>
-  </p:clrMapOvr>
-</p:sld>
-</file>
-
-<file path=ppt/slides/slide9.xml><?xml version="1.0" encoding="utf-8"?>
-<p:sld xmlns:a="http://schemas.openxmlformats.org/drawingml/2006/main" xmlns:r="http://schemas.openxmlformats.org/officeDocument/2006/relationships" xmlns:p="http://schemas.openxmlformats.org/presentationml/2006/main">
-  <p:cSld>
-    <p:spTree>
-      <p:nvGrpSpPr>
-        <p:cNvPr id="1" name=""/>
-        <p:cNvGrpSpPr/>
-        <p:nvPr/>
-      </p:nvGrpSpPr>
-      <p:grpSpPr>
-        <a:xfrm>
-          <a:off x="0" y="0"/>
-          <a:ext cx="0" cy="0"/>
-          <a:chOff x="0" y="0"/>
-          <a:chExt cx="0" cy="0"/>
-        </a:xfrm>
-      </p:grpSpPr>
-      <p:sp>
-        <p:nvSpPr>
-          <p:cNvPr id="3" name="Tittel 2"/>
-          <p:cNvSpPr>
-            <a:spLocks noGrp="1"/>
-          </p:cNvSpPr>
-          <p:nvPr>
-            <p:ph type="ctrTitle"/>
-          </p:nvPr>
-        </p:nvSpPr>
-        <p:spPr/>
-        <p:txBody>
-          <a:bodyPr/>
-          <a:lstStyle/>
-          <a:p>
-            <a:endParaRPr lang="nb-NO"/>
           </a:p>
         </p:txBody>
       </p:sp>
